--- a/Documentation/Presentation.pptx
+++ b/Documentation/Presentation.pptx
@@ -203,7 +203,7 @@
           <a:p>
             <a:fld id="{98E833F6-7BE0-AC4C-B111-1525C8CC1278}" type="datetimeFigureOut">
               <a:rPr lang="ru-RU" smtClean="0"/>
-              <a:t>18.11.2022</a:t>
+              <a:t>23.01.2023</a:t>
             </a:fld>
             <a:endParaRPr lang="ru-RU"/>
           </a:p>
@@ -633,7 +633,7 @@
           <a:p>
             <a:fld id="{A7EC5254-5D63-6145-A149-BDE2473B3FE7}" type="datetime1">
               <a:rPr lang="ru-RU" smtClean="0"/>
-              <a:t>18.11.2022</a:t>
+              <a:t>23.01.2023</a:t>
             </a:fld>
             <a:endParaRPr lang="en-US" dirty="0"/>
           </a:p>
@@ -799,7 +799,7 @@
           <a:p>
             <a:fld id="{251F0BF4-1A0E-784A-B9CA-942E72937D83}" type="datetime1">
               <a:rPr lang="ru-RU" smtClean="0"/>
-              <a:t>18.11.2022</a:t>
+              <a:t>23.01.2023</a:t>
             </a:fld>
             <a:endParaRPr lang="en-US" dirty="0"/>
           </a:p>
@@ -974,7 +974,7 @@
           <a:p>
             <a:fld id="{313E772F-1923-7F43-8645-6BCA743E3EF4}" type="datetime1">
               <a:rPr lang="ru-RU" smtClean="0"/>
-              <a:t>18.11.2022</a:t>
+              <a:t>23.01.2023</a:t>
             </a:fld>
             <a:endParaRPr lang="en-US" dirty="0"/>
           </a:p>
@@ -1139,7 +1139,7 @@
           <a:p>
             <a:fld id="{733538BD-792B-F94C-9D05-2E01A9B58FE9}" type="datetime1">
               <a:rPr lang="ru-RU" smtClean="0"/>
-              <a:t>18.11.2022</a:t>
+              <a:t>23.01.2023</a:t>
             </a:fld>
             <a:endParaRPr lang="en-US" dirty="0"/>
           </a:p>
@@ -1403,7 +1403,7 @@
           <a:p>
             <a:fld id="{09419B9D-3A6A-424B-A8D1-734BE01473BA}" type="datetime1">
               <a:rPr lang="ru-RU" smtClean="0"/>
-              <a:t>18.11.2022</a:t>
+              <a:t>23.01.2023</a:t>
             </a:fld>
             <a:endParaRPr lang="en-US" dirty="0"/>
           </a:p>
@@ -1631,7 +1631,7 @@
           <a:p>
             <a:fld id="{4F61CC1F-369E-DE44-8898-39E96EA39CE7}" type="datetime1">
               <a:rPr lang="ru-RU" smtClean="0"/>
-              <a:t>18.11.2022</a:t>
+              <a:t>23.01.2023</a:t>
             </a:fld>
             <a:endParaRPr lang="en-US" dirty="0"/>
           </a:p>
@@ -1985,7 +1985,7 @@
           <a:p>
             <a:fld id="{9EA1BF91-2CB5-6A4A-9201-D7855CB6BC8A}" type="datetime1">
               <a:rPr lang="ru-RU" smtClean="0"/>
-              <a:t>18.11.2022</a:t>
+              <a:t>23.01.2023</a:t>
             </a:fld>
             <a:endParaRPr lang="en-US" dirty="0"/>
           </a:p>
@@ -2121,7 +2121,7 @@
           <a:p>
             <a:fld id="{542665F5-34A2-BB42-B6F4-2910ACF3A23A}" type="datetime1">
               <a:rPr lang="ru-RU" smtClean="0"/>
-              <a:t>18.11.2022</a:t>
+              <a:t>23.01.2023</a:t>
             </a:fld>
             <a:endParaRPr lang="en-US" dirty="0"/>
           </a:p>
@@ -2211,7 +2211,7 @@
           <a:p>
             <a:fld id="{381338D1-0B9C-FC4E-A01C-6FEEA9C1CE92}" type="datetime1">
               <a:rPr lang="ru-RU" smtClean="0"/>
-              <a:t>18.11.2022</a:t>
+              <a:t>23.01.2023</a:t>
             </a:fld>
             <a:endParaRPr lang="en-US" dirty="0"/>
           </a:p>
@@ -2563,7 +2563,7 @@
           <a:p>
             <a:fld id="{57A63C6F-9193-2543-99E8-36D34C667DEF}" type="datetime1">
               <a:rPr lang="ru-RU" smtClean="0"/>
-              <a:t>18.11.2022</a:t>
+              <a:t>23.01.2023</a:t>
             </a:fld>
             <a:endParaRPr lang="en-US" dirty="0"/>
           </a:p>
@@ -2915,7 +2915,7 @@
           <a:p>
             <a:fld id="{7DBBFAD4-04E1-B843-8920-D9E88529733E}" type="datetime1">
               <a:rPr lang="ru-RU" smtClean="0"/>
-              <a:t>18.11.2022</a:t>
+              <a:t>23.01.2023</a:t>
             </a:fld>
             <a:endParaRPr lang="en-US" dirty="0"/>
           </a:p>
@@ -3152,7 +3152,7 @@
           <a:p>
             <a:fld id="{B3CC4B5C-7A3D-5745-8A1D-48220159E312}" type="datetime1">
               <a:rPr lang="ru-RU" smtClean="0"/>
-              <a:t>18.11.2022</a:t>
+              <a:t>23.01.2023</a:t>
             </a:fld>
             <a:endParaRPr lang="en-US" dirty="0"/>
           </a:p>
@@ -4900,7 +4900,11 @@
             </a:r>
             <a:r>
               <a:rPr lang="en-US" sz="2400" dirty="0"/>
-              <a:t>HTML + CSS + Thymeleaf</a:t>
+              <a:t>HTML + CSS </a:t>
+            </a:r>
+            <a:r>
+              <a:rPr lang="en-US" sz="2400"/>
+              <a:t>+ JS</a:t>
             </a:r>
             <a:endParaRPr lang="en" sz="2400" dirty="0"/>
           </a:p>
